--- a/Lectures/Lesson 11 - Concurrency.pptx
+++ b/Lectures/Lesson 11 - Concurrency.pptx
@@ -1984,7 +1984,7 @@
               <a:buSzPts val="1100"/>
               <a:buNone/>
             </a:pPr>
-            <a:endParaRPr dirty="0"/>
+            <a:endParaRPr/>
           </a:p>
         </p:txBody>
       </p:sp>
@@ -2350,7 +2350,7 @@
               <a:buSzPts val="1100"/>
               <a:buNone/>
             </a:pPr>
-            <a:endParaRPr dirty="0"/>
+            <a:endParaRPr/>
           </a:p>
         </p:txBody>
       </p:sp>
@@ -3082,7 +3082,7 @@
               <a:buSzPts val="1100"/>
               <a:buNone/>
             </a:pPr>
-            <a:endParaRPr dirty="0"/>
+            <a:endParaRPr/>
           </a:p>
         </p:txBody>
       </p:sp>
@@ -14962,7 +14962,7 @@
               <a:buAutoNum type="arabicPeriod"/>
             </a:pPr>
             <a:r>
-              <a:rPr lang="ru" sz="2400" b="1" dirty="0">
+              <a:rPr lang="ru" sz="2400" b="1">
                 <a:latin typeface="Lato"/>
                 <a:ea typeface="Lato"/>
                 <a:cs typeface="Lato"/>
@@ -14971,7 +14971,7 @@
               <a:t>System </a:t>
             </a:r>
             <a:r>
-              <a:rPr lang="ru" sz="2400" dirty="0">
+              <a:rPr lang="ru" sz="2400">
                 <a:latin typeface="Lato"/>
                 <a:ea typeface="Lato"/>
                 <a:cs typeface="Lato"/>
@@ -14979,7 +14979,7 @@
               </a:rPr>
               <a:t>- created by the JVM and runs in the background of the application (GC). </a:t>
             </a:r>
-            <a:endParaRPr sz="2400" dirty="0">
+            <a:endParaRPr sz="2400">
               <a:latin typeface="Lato"/>
               <a:ea typeface="Lato"/>
               <a:cs typeface="Lato"/>
@@ -15005,7 +15005,7 @@
               <a:buAutoNum type="arabicPeriod"/>
             </a:pPr>
             <a:r>
-              <a:rPr lang="ru" sz="2400" b="1" dirty="0">
+              <a:rPr lang="ru" sz="2400" b="1">
                 <a:latin typeface="Lato"/>
                 <a:ea typeface="Lato"/>
                 <a:cs typeface="Lato"/>
@@ -15014,7 +15014,7 @@
               <a:t>User-defined - </a:t>
             </a:r>
             <a:r>
-              <a:rPr lang="ru" sz="2400" dirty="0">
+              <a:rPr lang="ru" sz="2400">
                 <a:latin typeface="Lato"/>
                 <a:ea typeface="Lato"/>
                 <a:cs typeface="Lato"/>
@@ -15022,7 +15022,7 @@
               </a:rPr>
               <a:t>one created by the application developer to accomplish a specific task.</a:t>
             </a:r>
-            <a:endParaRPr sz="2400" dirty="0">
+            <a:endParaRPr sz="2400">
               <a:latin typeface="Lato"/>
               <a:ea typeface="Lato"/>
               <a:cs typeface="Lato"/>
@@ -15048,7 +15048,7 @@
               <a:buAutoNum type="arabicPeriod"/>
             </a:pPr>
             <a:r>
-              <a:rPr lang="ru" sz="2400" b="1" dirty="0">
+              <a:rPr lang="ru" sz="2400" b="1">
                 <a:latin typeface="Lato"/>
                 <a:ea typeface="Lato"/>
                 <a:cs typeface="Lato"/>
@@ -15057,7 +15057,7 @@
               <a:t>Daemon</a:t>
             </a:r>
             <a:r>
-              <a:rPr lang="ru" sz="2400" dirty="0">
+              <a:rPr lang="ru" sz="2400">
                 <a:latin typeface="Lato"/>
                 <a:ea typeface="Lato"/>
                 <a:cs typeface="Lato"/>
@@ -15065,7 +15065,7 @@
               </a:rPr>
               <a:t> - one that will not prevent the JVM from exiting when the program finishes. Both system and user-defined threads can be marked as daemon threads</a:t>
             </a:r>
-            <a:endParaRPr sz="2400" dirty="0">
+            <a:endParaRPr sz="2400">
               <a:latin typeface="Lato"/>
               <a:ea typeface="Lato"/>
               <a:cs typeface="Lato"/>
@@ -15086,7 +15086,7 @@
               <a:buSzPct val="100000"/>
               <a:buNone/>
             </a:pPr>
-            <a:endParaRPr dirty="0"/>
+            <a:endParaRPr/>
           </a:p>
         </p:txBody>
       </p:sp>
@@ -27985,60 +27985,7 @@
               </a:rPr>
               <a:t> </a:t>
             </a:r>
-          </a:p>
-          <a:p>
-            <a:pPr marL="457200" lvl="0" indent="-342900" algn="l" rtl="0">
-              <a:lnSpc>
-                <a:spcPct val="150000"/>
-              </a:lnSpc>
-              <a:spcBef>
-                <a:spcPts val="1200"/>
-              </a:spcBef>
-              <a:spcAft>
-                <a:spcPts val="0"/>
-              </a:spcAft>
-              <a:buSzPts val="1800"/>
-              <a:buChar char="●"/>
-            </a:pPr>
-            <a:r>
-              <a:rPr lang="en-US" b="1" dirty="0" err="1">
-                <a:hlinkClick r:id="rId4"/>
-              </a:rPr>
-              <a:t>CompletableFuture</a:t>
-            </a:r>
             <a:endParaRPr lang="en-US" b="1" dirty="0"/>
-          </a:p>
-        </p:txBody>
-      </p:sp>
-      <p:sp>
-        <p:nvSpPr>
-          <p:cNvPr id="2" name="TextBox 1">
-            <a:extLst>
-              <a:ext uri="{FF2B5EF4-FFF2-40B4-BE49-F238E27FC236}">
-                <a16:creationId xmlns:a16="http://schemas.microsoft.com/office/drawing/2014/main" id="{7DFE039E-99FD-2754-58FE-9F2E33BAB7C6}"/>
-              </a:ext>
-            </a:extLst>
-          </p:cNvPr>
-          <p:cNvSpPr txBox="1"/>
-          <p:nvPr/>
-        </p:nvSpPr>
-        <p:spPr>
-          <a:xfrm>
-            <a:off x="2473036" y="1655618"/>
-            <a:ext cx="184731" cy="307777"/>
-          </a:xfrm>
-          <a:prstGeom prst="rect">
-            <a:avLst/>
-          </a:prstGeom>
-          <a:noFill/>
-        </p:spPr>
-        <p:txBody>
-          <a:bodyPr wrap="none" rtlCol="0">
-            <a:spAutoFit/>
-          </a:bodyPr>
-          <a:lstStyle/>
-          <a:p>
-            <a:endParaRPr lang="en-US" dirty="0"/>
           </a:p>
         </p:txBody>
       </p:sp>
